--- a/slides/Lecture_11_WrappingUp.pptx
+++ b/slides/Lecture_11_WrappingUp.pptx
@@ -5,16 +5,18 @@
     <p:sldMasterId id="2147483648" r:id="rId1"/>
   </p:sldMasterIdLst>
   <p:notesMasterIdLst>
-    <p:notesMasterId r:id="rId9"/>
+    <p:notesMasterId r:id="rId11"/>
   </p:notesMasterIdLst>
   <p:sldIdLst>
     <p:sldId id="256" r:id="rId2"/>
-    <p:sldId id="270" r:id="rId3"/>
+    <p:sldId id="275" r:id="rId3"/>
     <p:sldId id="269" r:id="rId4"/>
-    <p:sldId id="271" r:id="rId5"/>
-    <p:sldId id="274" r:id="rId6"/>
-    <p:sldId id="273" r:id="rId7"/>
-    <p:sldId id="272" r:id="rId8"/>
+    <p:sldId id="274" r:id="rId5"/>
+    <p:sldId id="273" r:id="rId6"/>
+    <p:sldId id="271" r:id="rId7"/>
+    <p:sldId id="259" r:id="rId8"/>
+    <p:sldId id="276" r:id="rId9"/>
+    <p:sldId id="272" r:id="rId10"/>
   </p:sldIdLst>
   <p:sldSz cx="9144000" cy="6858000" type="screen4x3"/>
   <p:notesSz cx="6858000" cy="9144000"/>
@@ -203,7 +205,7 @@
           <a:p>
             <a:fld id="{92C08CDA-29C6-4C4F-9345-278F31C990CA}" type="datetimeFigureOut">
               <a:rPr lang="en-GB" smtClean="0"/>
-              <a:t>20/04/2023</a:t>
+              <a:t>12/09/2024</a:t>
             </a:fld>
             <a:endParaRPr lang="en-GB"/>
           </a:p>
@@ -631,23 +633,7 @@
           <a:p>
             <a:r>
               <a:rPr lang="en-GB" dirty="0"/>
-              <a:t>I’ll try to finish a few minutes early to give you the opportunity to connect to the </a:t>
-            </a:r>
-            <a:r>
-              <a:rPr lang="en-GB" dirty="0" err="1"/>
-              <a:t>wifi</a:t>
-            </a:r>
-            <a:r>
-              <a:rPr lang="en-GB" dirty="0"/>
-              <a:t> and access the </a:t>
-            </a:r>
-            <a:r>
-              <a:rPr lang="en-GB" dirty="0" err="1"/>
-              <a:t>moodle</a:t>
-            </a:r>
-            <a:r>
-              <a:rPr lang="en-GB" dirty="0"/>
-              <a:t> documents</a:t>
+              <a:t>Parsimony as an overarching principle!</a:t>
             </a:r>
           </a:p>
         </p:txBody>
@@ -669,7 +655,7 @@
           <a:p>
             <a:fld id="{1708F263-929A-49E4-AD2F-77AD84BC4D56}" type="slidenum">
               <a:rPr lang="en-GB" smtClean="0"/>
-              <a:t>3</a:t>
+              <a:t>6</a:t>
             </a:fld>
             <a:endParaRPr lang="en-GB"/>
           </a:p>
@@ -678,7 +664,118 @@
     </p:spTree>
     <p:extLst>
       <p:ext uri="{BB962C8B-B14F-4D97-AF65-F5344CB8AC3E}">
-        <p14:creationId xmlns:p14="http://schemas.microsoft.com/office/powerpoint/2010/main" val="864962776"/>
+        <p14:creationId xmlns:p14="http://schemas.microsoft.com/office/powerpoint/2010/main" val="212147414"/>
+      </p:ext>
+    </p:extLst>
+  </p:cSld>
+  <p:clrMapOvr>
+    <a:masterClrMapping/>
+  </p:clrMapOvr>
+</p:notes>
+</file>
+
+<file path=ppt/notesSlides/notesSlide3.xml><?xml version="1.0" encoding="utf-8"?>
+<p:notes xmlns:a="http://schemas.openxmlformats.org/drawingml/2006/main" xmlns:r="http://schemas.openxmlformats.org/officeDocument/2006/relationships" xmlns:p="http://schemas.openxmlformats.org/presentationml/2006/main">
+  <p:cSld>
+    <p:spTree>
+      <p:nvGrpSpPr>
+        <p:cNvPr id="1" name="">
+          <a:extLst>
+            <a:ext uri="{FF2B5EF4-FFF2-40B4-BE49-F238E27FC236}">
+              <a16:creationId xmlns:a16="http://schemas.microsoft.com/office/drawing/2014/main" id="{654141F2-BE5C-F2DA-5080-643680315F29}"/>
+            </a:ext>
+          </a:extLst>
+        </p:cNvPr>
+        <p:cNvGrpSpPr/>
+        <p:nvPr/>
+      </p:nvGrpSpPr>
+      <p:grpSpPr>
+        <a:xfrm>
+          <a:off x="0" y="0"/>
+          <a:ext cx="0" cy="0"/>
+          <a:chOff x="0" y="0"/>
+          <a:chExt cx="0" cy="0"/>
+        </a:xfrm>
+      </p:grpSpPr>
+      <p:sp>
+        <p:nvSpPr>
+          <p:cNvPr id="2" name="Slide Image Placeholder 1">
+            <a:extLst>
+              <a:ext uri="{FF2B5EF4-FFF2-40B4-BE49-F238E27FC236}">
+                <a16:creationId xmlns:a16="http://schemas.microsoft.com/office/drawing/2014/main" id="{41CBE4BA-4753-0BD0-8040-471D6D83F4DF}"/>
+              </a:ext>
+            </a:extLst>
+          </p:cNvPr>
+          <p:cNvSpPr>
+            <a:spLocks noGrp="1" noRot="1" noChangeAspect="1"/>
+          </p:cNvSpPr>
+          <p:nvPr>
+            <p:ph type="sldImg"/>
+          </p:nvPr>
+        </p:nvSpPr>
+        <p:spPr/>
+      </p:sp>
+      <p:sp>
+        <p:nvSpPr>
+          <p:cNvPr id="3" name="Notes Placeholder 2">
+            <a:extLst>
+              <a:ext uri="{FF2B5EF4-FFF2-40B4-BE49-F238E27FC236}">
+                <a16:creationId xmlns:a16="http://schemas.microsoft.com/office/drawing/2014/main" id="{7FE2F504-9EFD-D5D3-E53E-B4BE6F42D74B}"/>
+              </a:ext>
+            </a:extLst>
+          </p:cNvPr>
+          <p:cNvSpPr>
+            <a:spLocks noGrp="1"/>
+          </p:cNvSpPr>
+          <p:nvPr>
+            <p:ph type="body" idx="1"/>
+          </p:nvPr>
+        </p:nvSpPr>
+        <p:spPr/>
+        <p:txBody>
+          <a:bodyPr/>
+          <a:lstStyle/>
+          <a:p>
+            <a:r>
+              <a:rPr lang="en-GB" dirty="0"/>
+              <a:t>Parsimony as an overarching principle!</a:t>
+            </a:r>
+          </a:p>
+        </p:txBody>
+      </p:sp>
+      <p:sp>
+        <p:nvSpPr>
+          <p:cNvPr id="4" name="Slide Number Placeholder 3">
+            <a:extLst>
+              <a:ext uri="{FF2B5EF4-FFF2-40B4-BE49-F238E27FC236}">
+                <a16:creationId xmlns:a16="http://schemas.microsoft.com/office/drawing/2014/main" id="{BC953888-BFBF-168D-9A15-CE7F26441D5D}"/>
+              </a:ext>
+            </a:extLst>
+          </p:cNvPr>
+          <p:cNvSpPr>
+            <a:spLocks noGrp="1"/>
+          </p:cNvSpPr>
+          <p:nvPr>
+            <p:ph type="sldNum" sz="quarter" idx="5"/>
+          </p:nvPr>
+        </p:nvSpPr>
+        <p:spPr/>
+        <p:txBody>
+          <a:bodyPr/>
+          <a:lstStyle/>
+          <a:p>
+            <a:fld id="{1708F263-929A-49E4-AD2F-77AD84BC4D56}" type="slidenum">
+              <a:rPr lang="en-GB" smtClean="0"/>
+              <a:t>7</a:t>
+            </a:fld>
+            <a:endParaRPr lang="en-GB"/>
+          </a:p>
+        </p:txBody>
+      </p:sp>
+    </p:spTree>
+    <p:extLst>
+      <p:ext uri="{BB962C8B-B14F-4D97-AF65-F5344CB8AC3E}">
+        <p14:creationId xmlns:p14="http://schemas.microsoft.com/office/powerpoint/2010/main" val="2386027193"/>
       </p:ext>
     </p:extLst>
   </p:cSld>
@@ -2783,7 +2880,7 @@
                 <a:ea typeface="Open Sans" panose="020B0606030504020204" pitchFamily="34" charset="0"/>
                 <a:cs typeface="Open Sans" panose="020B0606030504020204" pitchFamily="34" charset="0"/>
               </a:rPr>
-              <a:t>Katherine Atkins, PhD </a:t>
+              <a:t>Nicholas Davies, PhD </a:t>
             </a:r>
             <a:r>
               <a:rPr lang="en-GB" sz="2000" b="0" i="0" dirty="0">
@@ -2796,7 +2893,7 @@
                 <a:cs typeface="Open Sans" panose="020B0606030504020204" pitchFamily="34" charset="0"/>
                 <a:hlinkClick r:id="rId2"/>
               </a:rPr>
-              <a:t>Katherine.Atkins@lshtm.ac.uk</a:t>
+              <a:t>Nicholas.Davies@lshtm.ac.uk</a:t>
             </a:r>
             <a:endParaRPr lang="en-GB" sz="2000" b="0" i="0" dirty="0">
               <a:solidFill>
@@ -2819,7 +2916,7 @@
                 <a:ea typeface="Open Sans" panose="020B0606030504020204" pitchFamily="34" charset="0"/>
                 <a:cs typeface="Open Sans" panose="020B0606030504020204" pitchFamily="34" charset="0"/>
               </a:rPr>
-              <a:t>Roz Eggo, PhD </a:t>
+              <a:t>Yang Liu, PhD </a:t>
             </a:r>
             <a:r>
               <a:rPr lang="en-GB" sz="2000" dirty="0">
@@ -2831,77 +2928,6 @@
                 <a:cs typeface="Open Sans" panose="020B0606030504020204" pitchFamily="34" charset="0"/>
                 <a:hlinkClick r:id="rId3"/>
               </a:rPr>
-              <a:t>r.eggo@lshtm.ac.uk</a:t>
-            </a:r>
-            <a:endParaRPr lang="en-GB" sz="2000" b="0" i="0" dirty="0">
-              <a:solidFill>
-                <a:srgbClr val="605E5C"/>
-              </a:solidFill>
-              <a:effectLst/>
-              <a:latin typeface="Open Sans" panose="020B0606030504020204" pitchFamily="34" charset="0"/>
-              <a:ea typeface="Open Sans" panose="020B0606030504020204" pitchFamily="34" charset="0"/>
-              <a:cs typeface="Open Sans" panose="020B0606030504020204" pitchFamily="34" charset="0"/>
-            </a:endParaRPr>
-          </a:p>
-          <a:p>
-            <a:pPr marL="285750" indent="-285750">
-              <a:buFont typeface="Arial" panose="020B0604020202020204" pitchFamily="34" charset="0"/>
-              <a:buChar char="•"/>
-            </a:pPr>
-            <a:r>
-              <a:rPr lang="en-GB" sz="2000" dirty="0">
-                <a:latin typeface="Open Sans" panose="020B0606030504020204" pitchFamily="34" charset="0"/>
-                <a:ea typeface="Open Sans" panose="020B0606030504020204" pitchFamily="34" charset="0"/>
-                <a:cs typeface="Open Sans" panose="020B0606030504020204" pitchFamily="34" charset="0"/>
-              </a:rPr>
-              <a:t>Nicholas Davies, PhD </a:t>
-            </a:r>
-            <a:r>
-              <a:rPr lang="en-GB" sz="2000" b="0" i="0" dirty="0">
-                <a:solidFill>
-                  <a:srgbClr val="605E5C"/>
-                </a:solidFill>
-                <a:effectLst/>
-                <a:latin typeface="Open Sans" panose="020B0606030504020204" pitchFamily="34" charset="0"/>
-                <a:ea typeface="Open Sans" panose="020B0606030504020204" pitchFamily="34" charset="0"/>
-                <a:cs typeface="Open Sans" panose="020B0606030504020204" pitchFamily="34" charset="0"/>
-                <a:hlinkClick r:id="rId4"/>
-              </a:rPr>
-              <a:t>Nicholas.Davies@lshtm.ac.uk</a:t>
-            </a:r>
-            <a:endParaRPr lang="en-GB" sz="2000" b="0" i="0" dirty="0">
-              <a:solidFill>
-                <a:srgbClr val="605E5C"/>
-              </a:solidFill>
-              <a:effectLst/>
-              <a:latin typeface="Open Sans" panose="020B0606030504020204" pitchFamily="34" charset="0"/>
-              <a:ea typeface="Open Sans" panose="020B0606030504020204" pitchFamily="34" charset="0"/>
-              <a:cs typeface="Open Sans" panose="020B0606030504020204" pitchFamily="34" charset="0"/>
-            </a:endParaRPr>
-          </a:p>
-          <a:p>
-            <a:pPr marL="285750" indent="-285750">
-              <a:buFont typeface="Arial" panose="020B0604020202020204" pitchFamily="34" charset="0"/>
-              <a:buChar char="•"/>
-            </a:pPr>
-            <a:r>
-              <a:rPr lang="en-GB" sz="2000" dirty="0">
-                <a:latin typeface="Open Sans" panose="020B0606030504020204" pitchFamily="34" charset="0"/>
-                <a:ea typeface="Open Sans" panose="020B0606030504020204" pitchFamily="34" charset="0"/>
-                <a:cs typeface="Open Sans" panose="020B0606030504020204" pitchFamily="34" charset="0"/>
-              </a:rPr>
-              <a:t>Yang Liu, PhD </a:t>
-            </a:r>
-            <a:r>
-              <a:rPr lang="en-GB" sz="2000" dirty="0">
-                <a:solidFill>
-                  <a:srgbClr val="605E5C"/>
-                </a:solidFill>
-                <a:latin typeface="Open Sans" panose="020B0606030504020204" pitchFamily="34" charset="0"/>
-                <a:ea typeface="Open Sans" panose="020B0606030504020204" pitchFamily="34" charset="0"/>
-                <a:cs typeface="Open Sans" panose="020B0606030504020204" pitchFamily="34" charset="0"/>
-                <a:hlinkClick r:id="rId5"/>
-              </a:rPr>
               <a:t>Yang.Liu@lshtm.ac.uk</a:t>
             </a:r>
             <a:endParaRPr lang="en-GB" sz="2000" dirty="0">
@@ -2914,7 +2940,38 @@
             </a:endParaRPr>
           </a:p>
           <a:p>
-            <a:endParaRPr lang="en-GB" sz="2000" dirty="0">
+            <a:pPr marL="285750" indent="-285750">
+              <a:buFont typeface="Arial" panose="020B0604020202020204" pitchFamily="34" charset="0"/>
+              <a:buChar char="•"/>
+            </a:pPr>
+            <a:r>
+              <a:rPr lang="en-GB" sz="2000" dirty="0">
+                <a:latin typeface="Open Sans" panose="020B0606030504020204" pitchFamily="34" charset="0"/>
+                <a:ea typeface="Open Sans" panose="020B0606030504020204" pitchFamily="34" charset="0"/>
+                <a:cs typeface="Open Sans" panose="020B0606030504020204" pitchFamily="34" charset="0"/>
+              </a:rPr>
+              <a:t>Oli Brady, PhD </a:t>
+            </a:r>
+            <a:r>
+              <a:rPr lang="en-GB" sz="2000" dirty="0">
+                <a:latin typeface="Open Sans" panose="020B0606030504020204" pitchFamily="34" charset="0"/>
+                <a:ea typeface="Open Sans" panose="020B0606030504020204" pitchFamily="34" charset="0"/>
+                <a:cs typeface="Open Sans" panose="020B0606030504020204" pitchFamily="34" charset="0"/>
+                <a:hlinkClick r:id="rId4"/>
+              </a:rPr>
+              <a:t>Oliver.Brady@lshtm.ac.uk</a:t>
+            </a:r>
+            <a:r>
+              <a:rPr lang="en-GB" sz="2000" dirty="0">
+                <a:latin typeface="Open Sans" panose="020B0606030504020204" pitchFamily="34" charset="0"/>
+                <a:ea typeface="Open Sans" panose="020B0606030504020204" pitchFamily="34" charset="0"/>
+                <a:cs typeface="Open Sans" panose="020B0606030504020204" pitchFamily="34" charset="0"/>
+              </a:rPr>
+              <a:t> </a:t>
+            </a:r>
+          </a:p>
+          <a:p>
+            <a:endParaRPr lang="en-GB" sz="2000" b="1" dirty="0">
               <a:latin typeface="Open Sans" panose="020B0606030504020204" pitchFamily="34" charset="0"/>
               <a:ea typeface="Open Sans" panose="020B0606030504020204" pitchFamily="34" charset="0"/>
               <a:cs typeface="Open Sans" panose="020B0606030504020204" pitchFamily="34" charset="0"/>
@@ -2941,16 +2998,32 @@
                 <a:ea typeface="Open Sans" panose="020B0606030504020204" pitchFamily="34" charset="0"/>
                 <a:cs typeface="Open Sans" panose="020B0606030504020204" pitchFamily="34" charset="0"/>
               </a:rPr>
-              <a:t>Damian Keane </a:t>
+              <a:t>Francesco </a:t>
+            </a:r>
+            <a:r>
+              <a:rPr lang="en-GB" sz="2000" dirty="0" err="1">
+                <a:latin typeface="Open Sans" panose="020B0606030504020204" pitchFamily="34" charset="0"/>
+                <a:ea typeface="Open Sans" panose="020B0606030504020204" pitchFamily="34" charset="0"/>
+                <a:cs typeface="Open Sans" panose="020B0606030504020204" pitchFamily="34" charset="0"/>
+              </a:rPr>
+              <a:t>Grisolia</a:t>
             </a:r>
             <a:r>
               <a:rPr lang="en-GB" sz="2000" dirty="0">
                 <a:latin typeface="Open Sans" panose="020B0606030504020204" pitchFamily="34" charset="0"/>
                 <a:ea typeface="Open Sans" panose="020B0606030504020204" pitchFamily="34" charset="0"/>
                 <a:cs typeface="Open Sans" panose="020B0606030504020204" pitchFamily="34" charset="0"/>
-                <a:hlinkClick r:id="rId6"/>
               </a:rPr>
-              <a:t>Damian.Keane@lshtm.ac.uk</a:t>
+              <a:t> </a:t>
+            </a:r>
+            <a:r>
+              <a:rPr lang="en-GB" sz="2000" dirty="0">
+                <a:latin typeface="Open Sans" panose="020B0606030504020204" pitchFamily="34" charset="0"/>
+                <a:ea typeface="Open Sans" panose="020B0606030504020204" pitchFamily="34" charset="0"/>
+                <a:cs typeface="Open Sans" panose="020B0606030504020204" pitchFamily="34" charset="0"/>
+                <a:hlinkClick r:id="rId5"/>
+              </a:rPr>
+              <a:t>Francesco.Grisolia@lshtm.ac.uk</a:t>
             </a:r>
             <a:endParaRPr lang="en-GB" sz="2000" dirty="0">
               <a:latin typeface="Open Sans" panose="020B0606030504020204" pitchFamily="34" charset="0"/>
@@ -2986,7 +3059,7 @@
                 <a:ea typeface="Open Sans" panose="020B0606030504020204" pitchFamily="34" charset="0"/>
                 <a:cs typeface="Open Sans" panose="020B0606030504020204" pitchFamily="34" charset="0"/>
               </a:rPr>
-              <a:t>Johnny Filipe, David Hodgson, Alexis Robert, Alex Richards, Billy </a:t>
+              <a:t>Billy </a:t>
             </a:r>
             <a:r>
               <a:rPr lang="en-GB" sz="2000" dirty="0" err="1">
@@ -3002,7 +3075,7 @@
                 <a:ea typeface="Open Sans" panose="020B0606030504020204" pitchFamily="34" charset="0"/>
                 <a:cs typeface="Open Sans" panose="020B0606030504020204" pitchFamily="34" charset="0"/>
               </a:rPr>
-              <a:t>, Sam Abbott, </a:t>
+              <a:t>, Kath O’Reilly, Seb Funk, Johnny Filipe, Alexis Robert, Alex Richards, </a:t>
             </a:r>
             <a:r>
               <a:rPr lang="en-GB" sz="2000" dirty="0" err="1">
@@ -3018,38 +3091,7 @@
                 <a:ea typeface="Open Sans" panose="020B0606030504020204" pitchFamily="34" charset="0"/>
                 <a:cs typeface="Open Sans" panose="020B0606030504020204" pitchFamily="34" charset="0"/>
               </a:rPr>
-              <a:t> Abbas, Carl Pearson, </a:t>
-            </a:r>
-            <a:r>
-              <a:rPr lang="en-GB" sz="2000" dirty="0" err="1">
-                <a:latin typeface="Open Sans" panose="020B0606030504020204" pitchFamily="34" charset="0"/>
-                <a:ea typeface="Open Sans" panose="020B0606030504020204" pitchFamily="34" charset="0"/>
-                <a:cs typeface="Open Sans" panose="020B0606030504020204" pitchFamily="34" charset="0"/>
-              </a:rPr>
-              <a:t>Seb</a:t>
-            </a:r>
-            <a:r>
-              <a:rPr lang="en-GB" sz="2000" dirty="0">
-                <a:latin typeface="Open Sans" panose="020B0606030504020204" pitchFamily="34" charset="0"/>
-                <a:ea typeface="Open Sans" panose="020B0606030504020204" pitchFamily="34" charset="0"/>
-                <a:cs typeface="Open Sans" panose="020B0606030504020204" pitchFamily="34" charset="0"/>
-              </a:rPr>
-              <a:t> Funk, Han Fu</a:t>
-            </a:r>
-            <a:br>
-              <a:rPr lang="en-GB" sz="2000" dirty="0">
-                <a:latin typeface="Open Sans" panose="020B0606030504020204" pitchFamily="34" charset="0"/>
-                <a:ea typeface="Open Sans" panose="020B0606030504020204" pitchFamily="34" charset="0"/>
-                <a:cs typeface="Open Sans" panose="020B0606030504020204" pitchFamily="34" charset="0"/>
-              </a:rPr>
-            </a:br>
-            <a:r>
-              <a:rPr lang="en-GB" sz="2000" dirty="0">
-                <a:latin typeface="Open Sans" panose="020B0606030504020204" pitchFamily="34" charset="0"/>
-                <a:ea typeface="Open Sans" panose="020B0606030504020204" pitchFamily="34" charset="0"/>
-                <a:cs typeface="Open Sans" panose="020B0606030504020204" pitchFamily="34" charset="0"/>
-              </a:rPr>
-              <a:t>(All LSHTM / CMMID-based)</a:t>
+              <a:t> Abbas (All LSHTM / CMMID-based)</a:t>
             </a:r>
           </a:p>
         </p:txBody>
@@ -3114,7 +3156,7 @@
     </p:spTree>
     <p:extLst>
       <p:ext uri="{BB962C8B-B14F-4D97-AF65-F5344CB8AC3E}">
-        <p14:creationId xmlns:p14="http://schemas.microsoft.com/office/powerpoint/2010/main" val="1384522095"/>
+        <p14:creationId xmlns:p14="http://schemas.microsoft.com/office/powerpoint/2010/main" val="2231965453"/>
       </p:ext>
     </p:extLst>
   </p:cSld>
@@ -3244,13 +3286,6 @@
           <a:p>
             <a:pPr indent="-214370"/>
             <a:endParaRPr lang="en-GB" dirty="0"/>
-          </a:p>
-          <a:p>
-            <a:pPr indent="-214370"/>
-            <a:r>
-              <a:rPr lang="en-GB" dirty="0"/>
-              <a:t>And please don’t hesitate to ask questions during the course.</a:t>
-            </a:r>
           </a:p>
         </p:txBody>
       </p:sp>
@@ -3286,323 +3321,6 @@
       </p:grpSpPr>
       <p:sp>
         <p:nvSpPr>
-          <p:cNvPr id="2" name="Content Placeholder 1">
-            <a:extLst>
-              <a:ext uri="{FF2B5EF4-FFF2-40B4-BE49-F238E27FC236}">
-                <a16:creationId xmlns:a16="http://schemas.microsoft.com/office/drawing/2014/main" id="{C53CC119-7C2D-4D46-8BA8-B1FE8EDEE2B9}"/>
-              </a:ext>
-            </a:extLst>
-          </p:cNvPr>
-          <p:cNvSpPr>
-            <a:spLocks noGrp="1"/>
-          </p:cNvSpPr>
-          <p:nvPr>
-            <p:ph idx="1"/>
-          </p:nvPr>
-        </p:nvSpPr>
-        <p:spPr>
-          <a:xfrm>
-            <a:off x="183873" y="1319315"/>
-            <a:ext cx="8830917" cy="5141120"/>
-          </a:xfrm>
-        </p:spPr>
-        <p:txBody>
-          <a:bodyPr/>
-          <a:lstStyle/>
-          <a:p>
-            <a:pPr>
-              <a:spcBef>
-                <a:spcPts val="0"/>
-              </a:spcBef>
-              <a:spcAft>
-                <a:spcPts val="1200"/>
-              </a:spcAft>
-            </a:pPr>
-            <a:r>
-              <a:rPr lang="en-GB" sz="2000" b="1" dirty="0"/>
-              <a:t>Resources</a:t>
-            </a:r>
-          </a:p>
-          <a:p>
-            <a:pPr marL="285750" indent="-285750">
-              <a:spcBef>
-                <a:spcPts val="0"/>
-              </a:spcBef>
-              <a:spcAft>
-                <a:spcPts val="1200"/>
-              </a:spcAft>
-              <a:buFont typeface="Arial" panose="020B0604020202020204" pitchFamily="34" charset="0"/>
-              <a:buChar char="•"/>
-            </a:pPr>
-            <a:r>
-              <a:rPr lang="en-GB" sz="2000" dirty="0"/>
-              <a:t>All course information (timetable, links etc) on Moodle </a:t>
-            </a:r>
-            <a:r>
-              <a:rPr lang="en-GB" sz="1800" dirty="0">
-                <a:solidFill>
-                  <a:srgbClr val="F59200"/>
-                </a:solidFill>
-                <a:effectLst/>
-                <a:latin typeface="Calibri-Light"/>
-                <a:ea typeface="Calibri" panose="020F0502020204030204" pitchFamily="34" charset="0"/>
-                <a:cs typeface="Calibri-Light"/>
-              </a:rPr>
-              <a:t>https://</a:t>
-            </a:r>
-            <a:r>
-              <a:rPr lang="en-GB" sz="1800" dirty="0" err="1">
-                <a:solidFill>
-                  <a:srgbClr val="F59200"/>
-                </a:solidFill>
-                <a:effectLst/>
-                <a:latin typeface="Calibri-Light"/>
-                <a:ea typeface="Calibri" panose="020F0502020204030204" pitchFamily="34" charset="0"/>
-                <a:cs typeface="Calibri-Light"/>
-              </a:rPr>
-              <a:t>ble.lshtm.ac.uk</a:t>
-            </a:r>
-            <a:r>
-              <a:rPr lang="en-GB" sz="1800" dirty="0">
-                <a:solidFill>
-                  <a:srgbClr val="F59200"/>
-                </a:solidFill>
-                <a:effectLst/>
-                <a:latin typeface="Calibri-Light"/>
-                <a:ea typeface="Calibri" panose="020F0502020204030204" pitchFamily="34" charset="0"/>
-                <a:cs typeface="Calibri-Light"/>
-              </a:rPr>
-              <a:t>/</a:t>
-            </a:r>
-            <a:br>
-              <a:rPr lang="en-GB" sz="2000" dirty="0"/>
-            </a:br>
-            <a:r>
-              <a:rPr lang="en-GB" sz="1600" dirty="0"/>
-              <a:t>(shout out now if you haven’t logged-in! Or cannot access </a:t>
-            </a:r>
-            <a:r>
-              <a:rPr lang="en-GB" sz="1600" dirty="0" err="1"/>
-              <a:t>wifi</a:t>
-            </a:r>
-            <a:r>
-              <a:rPr lang="en-GB" sz="1600" dirty="0"/>
-              <a:t>)</a:t>
-            </a:r>
-          </a:p>
-          <a:p>
-            <a:pPr marL="285750" indent="-285750">
-              <a:spcBef>
-                <a:spcPts val="0"/>
-              </a:spcBef>
-              <a:spcAft>
-                <a:spcPts val="1200"/>
-              </a:spcAft>
-              <a:buFont typeface="Arial" panose="020B0604020202020204" pitchFamily="34" charset="0"/>
-              <a:buChar char="•"/>
-            </a:pPr>
-            <a:r>
-              <a:rPr lang="en-GB" sz="2000" dirty="0"/>
-              <a:t>All exercises completed using </a:t>
-            </a:r>
-            <a:r>
-              <a:rPr lang="en-GB" sz="2000" dirty="0" err="1"/>
-              <a:t>Rstudio</a:t>
-            </a:r>
-            <a:r>
-              <a:rPr lang="en-GB" sz="2000" dirty="0"/>
-              <a:t> </a:t>
-            </a:r>
-            <a:br>
-              <a:rPr lang="en-GB" sz="2000" dirty="0"/>
-            </a:br>
-            <a:r>
-              <a:rPr lang="en-GB" sz="1600" dirty="0"/>
-              <a:t>(shout out now if you haven’t downloaded it!)</a:t>
-            </a:r>
-          </a:p>
-          <a:p>
-            <a:pPr marL="285750" indent="-285750">
-              <a:spcBef>
-                <a:spcPts val="0"/>
-              </a:spcBef>
-              <a:spcAft>
-                <a:spcPts val="1200"/>
-              </a:spcAft>
-              <a:buFont typeface="Arial" panose="020B0604020202020204" pitchFamily="34" charset="0"/>
-              <a:buChar char="•"/>
-            </a:pPr>
-            <a:r>
-              <a:rPr lang="en-GB" sz="2000" dirty="0"/>
-              <a:t>Lecture slides on Moodle (and lecture recordings at end of each day)</a:t>
-            </a:r>
-          </a:p>
-          <a:p>
-            <a:pPr marL="285750" indent="-285750">
-              <a:spcBef>
-                <a:spcPts val="0"/>
-              </a:spcBef>
-              <a:spcAft>
-                <a:spcPts val="1200"/>
-              </a:spcAft>
-              <a:buFont typeface="Arial" panose="020B0604020202020204" pitchFamily="34" charset="0"/>
-              <a:buChar char="•"/>
-            </a:pPr>
-            <a:r>
-              <a:rPr lang="en-GB" sz="2000" dirty="0"/>
-              <a:t>Practical session exercises and solutions will be downloaded via R package (details to follow in next session)</a:t>
-            </a:r>
-            <a:br>
-              <a:rPr lang="en-GB" sz="2000" dirty="0"/>
-            </a:br>
-            <a:endParaRPr lang="en-GB" sz="2000" dirty="0"/>
-          </a:p>
-          <a:p>
-            <a:pPr marL="285750" indent="-285750">
-              <a:spcBef>
-                <a:spcPts val="0"/>
-              </a:spcBef>
-              <a:spcAft>
-                <a:spcPts val="1200"/>
-              </a:spcAft>
-              <a:buFont typeface="Arial" panose="020B0604020202020204" pitchFamily="34" charset="0"/>
-              <a:buChar char="•"/>
-            </a:pPr>
-            <a:r>
-              <a:rPr lang="en-GB" sz="2000" dirty="0"/>
-              <a:t>DISCUSSION BOARD on Moodle for </a:t>
-            </a:r>
-            <a:r>
-              <a:rPr lang="en-GB" sz="2000" b="1" dirty="0"/>
-              <a:t>everyone </a:t>
-            </a:r>
-            <a:br>
-              <a:rPr lang="en-GB" sz="2000" b="1" dirty="0"/>
-            </a:br>
-            <a:r>
-              <a:rPr lang="en-GB" sz="2000" dirty="0"/>
-              <a:t> - please feel free to introduce yourself more fully there if you wish</a:t>
-            </a:r>
-            <a:br>
-              <a:rPr lang="en-GB" sz="2000" b="1" dirty="0"/>
-            </a:br>
-            <a:endParaRPr lang="en-GB" sz="2000" dirty="0"/>
-          </a:p>
-          <a:p>
-            <a:pPr marL="342900" indent="-342900">
-              <a:spcBef>
-                <a:spcPts val="0"/>
-              </a:spcBef>
-              <a:spcAft>
-                <a:spcPts val="1200"/>
-              </a:spcAft>
-              <a:buFont typeface="Arial" panose="020B0604020202020204" pitchFamily="34" charset="0"/>
-              <a:buChar char="•"/>
-            </a:pPr>
-            <a:endParaRPr lang="en-GB" sz="2000" dirty="0"/>
-          </a:p>
-          <a:p>
-            <a:pPr>
-              <a:spcBef>
-                <a:spcPts val="0"/>
-              </a:spcBef>
-              <a:spcAft>
-                <a:spcPts val="1200"/>
-              </a:spcAft>
-            </a:pPr>
-            <a:endParaRPr lang="en-GB" sz="2000" dirty="0"/>
-          </a:p>
-        </p:txBody>
-      </p:sp>
-      <p:sp>
-        <p:nvSpPr>
-          <p:cNvPr id="3" name="Title 2">
-            <a:extLst>
-              <a:ext uri="{FF2B5EF4-FFF2-40B4-BE49-F238E27FC236}">
-                <a16:creationId xmlns:a16="http://schemas.microsoft.com/office/drawing/2014/main" id="{AE82D007-EC79-4E22-A9B4-71913D4AFEE6}"/>
-              </a:ext>
-            </a:extLst>
-          </p:cNvPr>
-          <p:cNvSpPr>
-            <a:spLocks noGrp="1"/>
-          </p:cNvSpPr>
-          <p:nvPr>
-            <p:ph type="title"/>
-          </p:nvPr>
-        </p:nvSpPr>
-        <p:spPr/>
-        <p:txBody>
-          <a:bodyPr/>
-          <a:lstStyle/>
-          <a:p>
-            <a:r>
-              <a:rPr lang="en-GB" dirty="0"/>
-              <a:t>Resources</a:t>
-            </a:r>
-          </a:p>
-        </p:txBody>
-      </p:sp>
-      <p:sp>
-        <p:nvSpPr>
-          <p:cNvPr id="7" name="Slide Number Placeholder 6">
-            <a:extLst>
-              <a:ext uri="{FF2B5EF4-FFF2-40B4-BE49-F238E27FC236}">
-                <a16:creationId xmlns:a16="http://schemas.microsoft.com/office/drawing/2014/main" id="{2B2EB673-1EAC-4FE5-A2CC-072333137500}"/>
-              </a:ext>
-            </a:extLst>
-          </p:cNvPr>
-          <p:cNvSpPr>
-            <a:spLocks noGrp="1"/>
-          </p:cNvSpPr>
-          <p:nvPr>
-            <p:ph type="sldNum" sz="quarter" idx="4"/>
-          </p:nvPr>
-        </p:nvSpPr>
-        <p:spPr/>
-        <p:txBody>
-          <a:bodyPr/>
-          <a:lstStyle/>
-          <a:p>
-            <a:fld id="{D7E6475D-BDED-4D62-A64C-203EC56ADB6A}" type="slidenum">
-              <a:rPr lang="en-GB" smtClean="0"/>
-              <a:t>3</a:t>
-            </a:fld>
-            <a:endParaRPr lang="en-GB"/>
-          </a:p>
-        </p:txBody>
-      </p:sp>
-    </p:spTree>
-    <p:extLst>
-      <p:ext uri="{BB962C8B-B14F-4D97-AF65-F5344CB8AC3E}">
-        <p14:creationId xmlns:p14="http://schemas.microsoft.com/office/powerpoint/2010/main" val="2125231730"/>
-      </p:ext>
-    </p:extLst>
-  </p:cSld>
-  <p:clrMapOvr>
-    <a:masterClrMapping/>
-  </p:clrMapOvr>
-</p:sld>
-</file>
-
-<file path=ppt/slides/slide5.xml><?xml version="1.0" encoding="utf-8"?>
-<p:sld xmlns:a="http://schemas.openxmlformats.org/drawingml/2006/main" xmlns:r="http://schemas.openxmlformats.org/officeDocument/2006/relationships" xmlns:p="http://schemas.openxmlformats.org/presentationml/2006/main">
-  <p:cSld>
-    <p:spTree>
-      <p:nvGrpSpPr>
-        <p:cNvPr id="1" name=""/>
-        <p:cNvGrpSpPr/>
-        <p:nvPr/>
-      </p:nvGrpSpPr>
-      <p:grpSpPr>
-        <a:xfrm>
-          <a:off x="0" y="0"/>
-          <a:ext cx="0" cy="0"/>
-          <a:chOff x="0" y="0"/>
-          <a:chExt cx="0" cy="0"/>
-        </a:xfrm>
-      </p:grpSpPr>
-      <p:sp>
-        <p:nvSpPr>
           <p:cNvPr id="3" name="Title 2">
             <a:extLst>
               <a:ext uri="{FF2B5EF4-FFF2-40B4-BE49-F238E27FC236}">
@@ -3654,7 +3372,7 @@
           <a:p>
             <a:fld id="{D7E6475D-BDED-4D62-A64C-203EC56ADB6A}" type="slidenum">
               <a:rPr lang="en-GB" smtClean="0"/>
-              <a:t>4</a:t>
+              <a:t>3</a:t>
             </a:fld>
             <a:endParaRPr lang="en-GB"/>
           </a:p>
@@ -3767,7 +3485,7 @@
 </p:sld>
 </file>
 
-<file path=ppt/slides/slide6.xml><?xml version="1.0" encoding="utf-8"?>
+<file path=ppt/slides/slide5.xml><?xml version="1.0" encoding="utf-8"?>
 <p:sld xmlns:a="http://schemas.openxmlformats.org/drawingml/2006/main" xmlns:r="http://schemas.openxmlformats.org/officeDocument/2006/relationships" xmlns:p="http://schemas.openxmlformats.org/presentationml/2006/main">
   <p:cSld>
     <p:spTree>
@@ -3867,9 +3585,50 @@
           <a:p>
             <a:fld id="{D7E6475D-BDED-4D62-A64C-203EC56ADB6A}" type="slidenum">
               <a:rPr lang="en-GB" smtClean="0"/>
-              <a:t>5</a:t>
+              <a:t>4</a:t>
             </a:fld>
             <a:endParaRPr lang="en-GB"/>
+          </a:p>
+        </p:txBody>
+      </p:sp>
+      <p:sp>
+        <p:nvSpPr>
+          <p:cNvPr id="2" name="TextBox 1">
+            <a:extLst>
+              <a:ext uri="{FF2B5EF4-FFF2-40B4-BE49-F238E27FC236}">
+                <a16:creationId xmlns:a16="http://schemas.microsoft.com/office/drawing/2014/main" id="{78E0D63F-5928-2E1C-8B7F-7DB13D2E98C5}"/>
+              </a:ext>
+            </a:extLst>
+          </p:cNvPr>
+          <p:cNvSpPr txBox="1"/>
+          <p:nvPr/>
+        </p:nvSpPr>
+        <p:spPr>
+          <a:xfrm>
+            <a:off x="2250831" y="4079631"/>
+            <a:ext cx="1457011" cy="369332"/>
+          </a:xfrm>
+          <a:prstGeom prst="rect">
+            <a:avLst/>
+          </a:prstGeom>
+          <a:solidFill>
+            <a:schemeClr val="bg1"/>
+          </a:solidFill>
+        </p:spPr>
+        <p:txBody>
+          <a:bodyPr wrap="square" rtlCol="0">
+            <a:spAutoFit/>
+          </a:bodyPr>
+          <a:lstStyle/>
+          <a:p>
+            <a:r>
+              <a:rPr lang="en-GB" dirty="0">
+                <a:solidFill>
+                  <a:srgbClr val="FF0000"/>
+                </a:solidFill>
+              </a:rPr>
+              <a:t>Feb 2025</a:t>
+            </a:r>
           </a:p>
         </p:txBody>
       </p:sp>
@@ -3877,6 +3636,408 @@
     <p:extLst>
       <p:ext uri="{BB962C8B-B14F-4D97-AF65-F5344CB8AC3E}">
         <p14:creationId xmlns:p14="http://schemas.microsoft.com/office/powerpoint/2010/main" val="1804481270"/>
+      </p:ext>
+    </p:extLst>
+  </p:cSld>
+  <p:clrMapOvr>
+    <a:masterClrMapping/>
+  </p:clrMapOvr>
+</p:sld>
+</file>
+
+<file path=ppt/slides/slide6.xml><?xml version="1.0" encoding="utf-8"?>
+<p:sld xmlns:a="http://schemas.openxmlformats.org/drawingml/2006/main" xmlns:r="http://schemas.openxmlformats.org/officeDocument/2006/relationships" xmlns:p="http://schemas.openxmlformats.org/presentationml/2006/main">
+  <p:cSld>
+    <p:spTree>
+      <p:nvGrpSpPr>
+        <p:cNvPr id="1" name=""/>
+        <p:cNvGrpSpPr/>
+        <p:nvPr/>
+      </p:nvGrpSpPr>
+      <p:grpSpPr>
+        <a:xfrm>
+          <a:off x="0" y="0"/>
+          <a:ext cx="0" cy="0"/>
+          <a:chOff x="0" y="0"/>
+          <a:chExt cx="0" cy="0"/>
+        </a:xfrm>
+      </p:grpSpPr>
+      <p:sp>
+        <p:nvSpPr>
+          <p:cNvPr id="3" name="Title 2">
+            <a:extLst>
+              <a:ext uri="{FF2B5EF4-FFF2-40B4-BE49-F238E27FC236}">
+                <a16:creationId xmlns:a16="http://schemas.microsoft.com/office/drawing/2014/main" id="{F216147F-818B-F6FE-8D1B-930C96836F6D}"/>
+              </a:ext>
+            </a:extLst>
+          </p:cNvPr>
+          <p:cNvSpPr>
+            <a:spLocks noGrp="1"/>
+          </p:cNvSpPr>
+          <p:nvPr>
+            <p:ph type="title"/>
+          </p:nvPr>
+        </p:nvSpPr>
+        <p:spPr/>
+        <p:txBody>
+          <a:bodyPr/>
+          <a:lstStyle/>
+          <a:p>
+            <a:r>
+              <a:rPr lang="en-US" dirty="0"/>
+              <a:t>Which models will we see in the course?</a:t>
+            </a:r>
+          </a:p>
+        </p:txBody>
+      </p:sp>
+      <p:sp>
+        <p:nvSpPr>
+          <p:cNvPr id="4" name="Slide Number Placeholder 3">
+            <a:extLst>
+              <a:ext uri="{FF2B5EF4-FFF2-40B4-BE49-F238E27FC236}">
+                <a16:creationId xmlns:a16="http://schemas.microsoft.com/office/drawing/2014/main" id="{1C3A02CC-34CE-BE4A-CBD4-14BA3B62CEDE}"/>
+              </a:ext>
+            </a:extLst>
+          </p:cNvPr>
+          <p:cNvSpPr>
+            <a:spLocks noGrp="1"/>
+          </p:cNvSpPr>
+          <p:nvPr>
+            <p:ph type="sldNum" sz="quarter" idx="4"/>
+          </p:nvPr>
+        </p:nvSpPr>
+        <p:spPr/>
+        <p:txBody>
+          <a:bodyPr/>
+          <a:lstStyle/>
+          <a:p>
+            <a:fld id="{D7E6475D-BDED-4D62-A64C-203EC56ADB6A}" type="slidenum">
+              <a:rPr lang="en-GB" smtClean="0"/>
+              <a:t>5</a:t>
+            </a:fld>
+            <a:endParaRPr lang="en-GB"/>
+          </a:p>
+        </p:txBody>
+      </p:sp>
+      <p:sp>
+        <p:nvSpPr>
+          <p:cNvPr id="7" name="TextBox 6">
+            <a:extLst>
+              <a:ext uri="{FF2B5EF4-FFF2-40B4-BE49-F238E27FC236}">
+                <a16:creationId xmlns:a16="http://schemas.microsoft.com/office/drawing/2014/main" id="{2CD9DA31-484B-2CF0-A922-9C4845F237EA}"/>
+              </a:ext>
+            </a:extLst>
+          </p:cNvPr>
+          <p:cNvSpPr txBox="1"/>
+          <p:nvPr/>
+        </p:nvSpPr>
+        <p:spPr>
+          <a:xfrm>
+            <a:off x="233563" y="1321034"/>
+            <a:ext cx="2732956" cy="2585323"/>
+          </a:xfrm>
+          <a:prstGeom prst="rect">
+            <a:avLst/>
+          </a:prstGeom>
+          <a:solidFill>
+            <a:schemeClr val="accent6">
+              <a:lumMod val="20000"/>
+              <a:lumOff val="80000"/>
+            </a:schemeClr>
+          </a:solidFill>
+        </p:spPr>
+        <p:txBody>
+          <a:bodyPr wrap="square" rtlCol="0">
+            <a:spAutoFit/>
+          </a:bodyPr>
+          <a:lstStyle/>
+          <a:p>
+            <a:r>
+              <a:rPr lang="en-US" b="1" dirty="0"/>
+              <a:t>Difference equations</a:t>
+            </a:r>
+            <a:br>
+              <a:rPr lang="en-US" b="1" dirty="0"/>
+            </a:br>
+            <a:br>
+              <a:rPr lang="en-US" dirty="0"/>
+            </a:br>
+            <a:r>
+              <a:rPr lang="en-US" dirty="0"/>
+              <a:t>Tracks the number of individuals in each epidemiological  “compartment” (e.g. Infected or Susceptible) at each e.g. day or week timestep</a:t>
+            </a:r>
+          </a:p>
+        </p:txBody>
+      </p:sp>
+      <p:sp>
+        <p:nvSpPr>
+          <p:cNvPr id="8" name="TextBox 7">
+            <a:extLst>
+              <a:ext uri="{FF2B5EF4-FFF2-40B4-BE49-F238E27FC236}">
+                <a16:creationId xmlns:a16="http://schemas.microsoft.com/office/drawing/2014/main" id="{F448C5FE-63EA-8CB2-19FC-3DDAFCEFE5F6}"/>
+              </a:ext>
+            </a:extLst>
+          </p:cNvPr>
+          <p:cNvSpPr txBox="1"/>
+          <p:nvPr/>
+        </p:nvSpPr>
+        <p:spPr>
+          <a:xfrm>
+            <a:off x="3126556" y="1326976"/>
+            <a:ext cx="2732956" cy="2585323"/>
+          </a:xfrm>
+          <a:prstGeom prst="rect">
+            <a:avLst/>
+          </a:prstGeom>
+          <a:solidFill>
+            <a:schemeClr val="accent5">
+              <a:lumMod val="20000"/>
+              <a:lumOff val="80000"/>
+            </a:schemeClr>
+          </a:solidFill>
+        </p:spPr>
+        <p:txBody>
+          <a:bodyPr wrap="square" rtlCol="0">
+            <a:spAutoFit/>
+          </a:bodyPr>
+          <a:lstStyle/>
+          <a:p>
+            <a:r>
+              <a:rPr lang="en-US" b="1" dirty="0"/>
+              <a:t>Ordinary Differential Equations (ODEs)</a:t>
+            </a:r>
+            <a:br>
+              <a:rPr lang="en-US" b="1" dirty="0"/>
+            </a:br>
+            <a:br>
+              <a:rPr lang="en-US" dirty="0"/>
+            </a:br>
+            <a:r>
+              <a:rPr lang="en-US" dirty="0"/>
+              <a:t>Same as ‘difference equations’ but instead of calculating at each timestep, we move to continuous time</a:t>
+            </a:r>
+          </a:p>
+          <a:p>
+            <a:endParaRPr lang="en-US" dirty="0"/>
+          </a:p>
+        </p:txBody>
+      </p:sp>
+      <p:sp>
+        <p:nvSpPr>
+          <p:cNvPr id="9" name="TextBox 8">
+            <a:extLst>
+              <a:ext uri="{FF2B5EF4-FFF2-40B4-BE49-F238E27FC236}">
+                <a16:creationId xmlns:a16="http://schemas.microsoft.com/office/drawing/2014/main" id="{0B0BC7AB-7079-0543-B3CC-06E83BE23636}"/>
+              </a:ext>
+            </a:extLst>
+          </p:cNvPr>
+          <p:cNvSpPr txBox="1"/>
+          <p:nvPr/>
+        </p:nvSpPr>
+        <p:spPr>
+          <a:xfrm>
+            <a:off x="6017445" y="1321034"/>
+            <a:ext cx="2938409" cy="2585323"/>
+          </a:xfrm>
+          <a:prstGeom prst="rect">
+            <a:avLst/>
+          </a:prstGeom>
+          <a:solidFill>
+            <a:schemeClr val="accent4">
+              <a:lumMod val="20000"/>
+              <a:lumOff val="80000"/>
+            </a:schemeClr>
+          </a:solidFill>
+        </p:spPr>
+        <p:txBody>
+          <a:bodyPr wrap="square" rtlCol="0">
+            <a:spAutoFit/>
+          </a:bodyPr>
+          <a:lstStyle/>
+          <a:p>
+            <a:r>
+              <a:rPr lang="en-US" b="1" dirty="0"/>
+              <a:t>Metapopulation</a:t>
+            </a:r>
+            <a:br>
+              <a:rPr lang="en-US" b="1" dirty="0"/>
+            </a:br>
+            <a:endParaRPr lang="en-US" b="1" dirty="0"/>
+          </a:p>
+          <a:p>
+            <a:r>
+              <a:rPr lang="en-US" dirty="0"/>
+              <a:t>Add in structure to ODE model by creating multiple subpopulations that can transmit infections within and between each subpopulation </a:t>
+            </a:r>
+            <a:br>
+              <a:rPr lang="en-US" dirty="0"/>
+            </a:br>
+            <a:endParaRPr lang="en-US" dirty="0"/>
+          </a:p>
+        </p:txBody>
+      </p:sp>
+      <p:sp>
+        <p:nvSpPr>
+          <p:cNvPr id="10" name="TextBox 9">
+            <a:extLst>
+              <a:ext uri="{FF2B5EF4-FFF2-40B4-BE49-F238E27FC236}">
+                <a16:creationId xmlns:a16="http://schemas.microsoft.com/office/drawing/2014/main" id="{0920EB77-545A-A999-5BD8-1B5F5D760251}"/>
+              </a:ext>
+            </a:extLst>
+          </p:cNvPr>
+          <p:cNvSpPr txBox="1"/>
+          <p:nvPr/>
+        </p:nvSpPr>
+        <p:spPr>
+          <a:xfrm>
+            <a:off x="3126556" y="4054158"/>
+            <a:ext cx="2732955" cy="2585323"/>
+          </a:xfrm>
+          <a:prstGeom prst="rect">
+            <a:avLst/>
+          </a:prstGeom>
+          <a:solidFill>
+            <a:schemeClr val="accent3">
+              <a:lumMod val="20000"/>
+              <a:lumOff val="80000"/>
+            </a:schemeClr>
+          </a:solidFill>
+        </p:spPr>
+        <p:txBody>
+          <a:bodyPr wrap="square" rtlCol="0">
+            <a:spAutoFit/>
+          </a:bodyPr>
+          <a:lstStyle/>
+          <a:p>
+            <a:r>
+              <a:rPr lang="en-US" b="1" dirty="0"/>
+              <a:t>Network model</a:t>
+            </a:r>
+            <a:br>
+              <a:rPr lang="en-US" b="1" dirty="0"/>
+            </a:br>
+            <a:br>
+              <a:rPr lang="en-US" b="1" dirty="0"/>
+            </a:br>
+            <a:r>
+              <a:rPr lang="en-US" dirty="0"/>
+              <a:t>Adds structure to the individual-based model, where each individual is constrained by who they can transmit to</a:t>
+            </a:r>
+          </a:p>
+          <a:p>
+            <a:endParaRPr lang="en-US" dirty="0"/>
+          </a:p>
+          <a:p>
+            <a:endParaRPr lang="en-US" dirty="0"/>
+          </a:p>
+        </p:txBody>
+      </p:sp>
+      <p:sp>
+        <p:nvSpPr>
+          <p:cNvPr id="12" name="TextBox 11">
+            <a:extLst>
+              <a:ext uri="{FF2B5EF4-FFF2-40B4-BE49-F238E27FC236}">
+                <a16:creationId xmlns:a16="http://schemas.microsoft.com/office/drawing/2014/main" id="{D18FB1AB-04FB-96ED-3000-B26166BF88A9}"/>
+              </a:ext>
+            </a:extLst>
+          </p:cNvPr>
+          <p:cNvSpPr txBox="1"/>
+          <p:nvPr/>
+        </p:nvSpPr>
+        <p:spPr>
+          <a:xfrm>
+            <a:off x="6017444" y="4054793"/>
+            <a:ext cx="2938409" cy="2585323"/>
+          </a:xfrm>
+          <a:prstGeom prst="rect">
+            <a:avLst/>
+          </a:prstGeom>
+          <a:solidFill>
+            <a:srgbClr val="E4E3FF"/>
+          </a:solidFill>
+        </p:spPr>
+        <p:txBody>
+          <a:bodyPr wrap="square" rtlCol="0">
+            <a:spAutoFit/>
+          </a:bodyPr>
+          <a:lstStyle/>
+          <a:p>
+            <a:r>
+              <a:rPr lang="en-US" b="1" dirty="0"/>
+              <a:t>Stochastic compartment model</a:t>
+            </a:r>
+          </a:p>
+          <a:p>
+            <a:endParaRPr lang="en-US" b="1" dirty="0"/>
+          </a:p>
+          <a:p>
+            <a:r>
+              <a:rPr lang="en-US" dirty="0"/>
+              <a:t>A stochastic implementation of our compartment ODE model but there is randomness in events happening</a:t>
+            </a:r>
+          </a:p>
+          <a:p>
+            <a:endParaRPr lang="en-US" b="1" dirty="0"/>
+          </a:p>
+        </p:txBody>
+      </p:sp>
+      <p:sp>
+        <p:nvSpPr>
+          <p:cNvPr id="2" name="TextBox 1">
+            <a:extLst>
+              <a:ext uri="{FF2B5EF4-FFF2-40B4-BE49-F238E27FC236}">
+                <a16:creationId xmlns:a16="http://schemas.microsoft.com/office/drawing/2014/main" id="{A7D06C5C-03B7-8596-517D-5FABD58AA7F6}"/>
+              </a:ext>
+            </a:extLst>
+          </p:cNvPr>
+          <p:cNvSpPr txBox="1"/>
+          <p:nvPr/>
+        </p:nvSpPr>
+        <p:spPr>
+          <a:xfrm>
+            <a:off x="233563" y="4054158"/>
+            <a:ext cx="2732955" cy="2585323"/>
+          </a:xfrm>
+          <a:prstGeom prst="rect">
+            <a:avLst/>
+          </a:prstGeom>
+          <a:solidFill>
+            <a:schemeClr val="accent1">
+              <a:lumMod val="20000"/>
+              <a:lumOff val="80000"/>
+            </a:schemeClr>
+          </a:solidFill>
+        </p:spPr>
+        <p:txBody>
+          <a:bodyPr wrap="square" rtlCol="0">
+            <a:spAutoFit/>
+          </a:bodyPr>
+          <a:lstStyle/>
+          <a:p>
+            <a:r>
+              <a:rPr lang="en-US" b="1" dirty="0"/>
+              <a:t>Individual-based model</a:t>
+            </a:r>
+            <a:br>
+              <a:rPr lang="en-US" b="1" dirty="0"/>
+            </a:br>
+            <a:endParaRPr lang="en-US" b="1" dirty="0"/>
+          </a:p>
+          <a:p>
+            <a:r>
+              <a:rPr lang="en-US" dirty="0"/>
+              <a:t>Tracks each individual, each with their own epidemiological characteristics; this model class also introduces the idea of randomness</a:t>
+            </a:r>
+          </a:p>
+          <a:p>
+            <a:endParaRPr lang="en-US" dirty="0"/>
+          </a:p>
+        </p:txBody>
+      </p:sp>
+    </p:spTree>
+    <p:extLst>
+      <p:ext uri="{BB962C8B-B14F-4D97-AF65-F5344CB8AC3E}">
+        <p14:creationId xmlns:p14="http://schemas.microsoft.com/office/powerpoint/2010/main" val="3076266534"/>
       </p:ext>
     </p:extLst>
   </p:cSld>
@@ -3905,6 +4066,343 @@
       </p:grpSpPr>
       <p:sp>
         <p:nvSpPr>
+          <p:cNvPr id="5" name="Title 1"/>
+          <p:cNvSpPr>
+            <a:spLocks noGrp="1"/>
+          </p:cNvSpPr>
+          <p:nvPr>
+            <p:ph type="title" hasCustomPrompt="1"/>
+          </p:nvPr>
+        </p:nvSpPr>
+        <p:spPr>
+          <a:xfrm>
+            <a:off x="457201" y="279132"/>
+            <a:ext cx="6705600" cy="623236"/>
+          </a:xfrm>
+          <a:prstGeom prst="rect">
+            <a:avLst/>
+          </a:prstGeom>
+        </p:spPr>
+        <p:txBody>
+          <a:bodyPr>
+            <a:normAutofit fontScale="90000"/>
+          </a:bodyPr>
+          <a:lstStyle/>
+          <a:p>
+            <a:pPr marL="0" lvl="0" indent="0">
+              <a:buNone/>
+            </a:pPr>
+            <a:r>
+              <a:rPr dirty="0"/>
+              <a:t>What type of mathematical models should we build?</a:t>
+            </a:r>
+            <a:r>
+              <a:rPr lang="en-GB" dirty="0"/>
+              <a:t> </a:t>
+            </a:r>
+            <a:endParaRPr dirty="0"/>
+          </a:p>
+        </p:txBody>
+      </p:sp>
+      <p:sp>
+        <p:nvSpPr>
+          <p:cNvPr id="3" name="Content Placeholder 2"/>
+          <p:cNvSpPr>
+            <a:spLocks noGrp="1"/>
+          </p:cNvSpPr>
+          <p:nvPr>
+            <p:ph idx="1" hasCustomPrompt="1"/>
+          </p:nvPr>
+        </p:nvSpPr>
+        <p:spPr>
+          <a:xfrm>
+            <a:off x="457200" y="1477817"/>
+            <a:ext cx="8229600" cy="5243657"/>
+          </a:xfrm>
+        </p:spPr>
+        <p:txBody>
+          <a:bodyPr/>
+          <a:lstStyle/>
+          <a:p>
+            <a:r>
+              <a:rPr lang="en-GB" i="1" dirty="0"/>
+              <a:t>Main Question: how do we choose a model type and a model structure?</a:t>
+            </a:r>
+            <a:br>
+              <a:rPr lang="en-GB" i="1" dirty="0"/>
+            </a:br>
+            <a:br>
+              <a:rPr lang="en-GB" i="1" dirty="0"/>
+            </a:br>
+            <a:r>
+              <a:rPr lang="en-GB" i="1" dirty="0"/>
+              <a:t>Key principle: build with parsimony (“as simple as necessary”)</a:t>
+            </a:r>
+          </a:p>
+          <a:p>
+            <a:pPr lvl="2"/>
+            <a:endParaRPr lang="en-GB" dirty="0"/>
+          </a:p>
+          <a:p>
+            <a:pPr lvl="2"/>
+            <a:r>
+              <a:rPr lang="en-GB" dirty="0"/>
+              <a:t>What is the research question?</a:t>
+            </a:r>
+          </a:p>
+          <a:p>
+            <a:pPr lvl="2"/>
+            <a:r>
+              <a:rPr dirty="0"/>
+              <a:t>How big is the population?</a:t>
+            </a:r>
+          </a:p>
+          <a:p>
+            <a:pPr lvl="2"/>
+            <a:r>
+              <a:rPr dirty="0"/>
+              <a:t>Are there stochastic fluctuations in the data that cannot be mechanistically accounted for?</a:t>
+            </a:r>
+          </a:p>
+          <a:p>
+            <a:pPr lvl="2"/>
+            <a:r>
+              <a:rPr dirty="0"/>
+              <a:t>Do we </a:t>
+            </a:r>
+            <a:r>
+              <a:rPr lang="en-GB" dirty="0"/>
+              <a:t>need </a:t>
+            </a:r>
+            <a:r>
+              <a:rPr dirty="0"/>
+              <a:t>to track every individual?</a:t>
+            </a:r>
+          </a:p>
+          <a:p>
+            <a:pPr lvl="2"/>
+            <a:r>
+              <a:rPr dirty="0"/>
+              <a:t>What type of events are we modelling and how do we </a:t>
+            </a:r>
+            <a:r>
+              <a:rPr dirty="0" err="1"/>
+              <a:t>parameterise</a:t>
+            </a:r>
+            <a:r>
+              <a:rPr dirty="0"/>
+              <a:t> them?</a:t>
+            </a:r>
+          </a:p>
+          <a:p>
+            <a:pPr lvl="2"/>
+            <a:r>
+              <a:rPr dirty="0"/>
+              <a:t>What type o</a:t>
+            </a:r>
+            <a:r>
+              <a:rPr lang="en-GB" dirty="0"/>
+              <a:t>f data do we have?</a:t>
+            </a:r>
+          </a:p>
+        </p:txBody>
+      </p:sp>
+      <p:sp>
+        <p:nvSpPr>
+          <p:cNvPr id="2" name="Slide Number Placeholder 1">
+            <a:extLst>
+              <a:ext uri="{FF2B5EF4-FFF2-40B4-BE49-F238E27FC236}">
+                <a16:creationId xmlns:a16="http://schemas.microsoft.com/office/drawing/2014/main" id="{25813BE2-41CF-4CC7-B75C-352C4CAAB39B}"/>
+              </a:ext>
+            </a:extLst>
+          </p:cNvPr>
+          <p:cNvSpPr>
+            <a:spLocks noGrp="1"/>
+          </p:cNvSpPr>
+          <p:nvPr>
+            <p:ph type="sldNum" sz="quarter" idx="4"/>
+          </p:nvPr>
+        </p:nvSpPr>
+        <p:spPr/>
+        <p:txBody>
+          <a:bodyPr/>
+          <a:lstStyle/>
+          <a:p>
+            <a:fld id="{D7E6475D-BDED-4D62-A64C-203EC56ADB6A}" type="slidenum">
+              <a:rPr lang="en-GB" smtClean="0"/>
+              <a:t>6</a:t>
+            </a:fld>
+            <a:endParaRPr lang="en-GB"/>
+          </a:p>
+        </p:txBody>
+      </p:sp>
+    </p:spTree>
+  </p:cSld>
+  <p:clrMapOvr>
+    <a:masterClrMapping/>
+  </p:clrMapOvr>
+</p:sld>
+</file>
+
+<file path=ppt/slides/slide8.xml><?xml version="1.0" encoding="utf-8"?>
+<p:sld xmlns:a="http://schemas.openxmlformats.org/drawingml/2006/main" xmlns:r="http://schemas.openxmlformats.org/officeDocument/2006/relationships" xmlns:p="http://schemas.openxmlformats.org/presentationml/2006/main">
+  <p:cSld>
+    <p:spTree>
+      <p:nvGrpSpPr>
+        <p:cNvPr id="1" name="">
+          <a:extLst>
+            <a:ext uri="{FF2B5EF4-FFF2-40B4-BE49-F238E27FC236}">
+              <a16:creationId xmlns:a16="http://schemas.microsoft.com/office/drawing/2014/main" id="{69F3C23B-9F4F-2B61-C6E3-EF190FDF3A2C}"/>
+            </a:ext>
+          </a:extLst>
+        </p:cNvPr>
+        <p:cNvGrpSpPr/>
+        <p:nvPr/>
+      </p:nvGrpSpPr>
+      <p:grpSpPr>
+        <a:xfrm>
+          <a:off x="0" y="0"/>
+          <a:ext cx="0" cy="0"/>
+          <a:chOff x="0" y="0"/>
+          <a:chExt cx="0" cy="0"/>
+        </a:xfrm>
+      </p:grpSpPr>
+      <p:sp>
+        <p:nvSpPr>
+          <p:cNvPr id="5" name="Title 1">
+            <a:extLst>
+              <a:ext uri="{FF2B5EF4-FFF2-40B4-BE49-F238E27FC236}">
+                <a16:creationId xmlns:a16="http://schemas.microsoft.com/office/drawing/2014/main" id="{0C25378C-C852-6408-F53C-3F098E1AF8F3}"/>
+              </a:ext>
+            </a:extLst>
+          </p:cNvPr>
+          <p:cNvSpPr>
+            <a:spLocks noGrp="1"/>
+          </p:cNvSpPr>
+          <p:nvPr>
+            <p:ph type="title" hasCustomPrompt="1"/>
+          </p:nvPr>
+        </p:nvSpPr>
+        <p:spPr>
+          <a:xfrm>
+            <a:off x="457201" y="279132"/>
+            <a:ext cx="6705600" cy="623236"/>
+          </a:xfrm>
+          <a:prstGeom prst="rect">
+            <a:avLst/>
+          </a:prstGeom>
+        </p:spPr>
+        <p:txBody>
+          <a:bodyPr>
+            <a:normAutofit/>
+          </a:bodyPr>
+          <a:lstStyle/>
+          <a:p>
+            <a:pPr marL="0" lvl="0" indent="0">
+              <a:buNone/>
+            </a:pPr>
+            <a:r>
+              <a:rPr lang="en-GB" dirty="0"/>
+              <a:t>Wrapping up </a:t>
+            </a:r>
+            <a:endParaRPr dirty="0"/>
+          </a:p>
+        </p:txBody>
+      </p:sp>
+      <p:sp>
+        <p:nvSpPr>
+          <p:cNvPr id="3" name="Content Placeholder 2">
+            <a:extLst>
+              <a:ext uri="{FF2B5EF4-FFF2-40B4-BE49-F238E27FC236}">
+                <a16:creationId xmlns:a16="http://schemas.microsoft.com/office/drawing/2014/main" id="{7A92FF97-BAEC-0BF9-D429-CCD657828D55}"/>
+              </a:ext>
+            </a:extLst>
+          </p:cNvPr>
+          <p:cNvSpPr>
+            <a:spLocks noGrp="1"/>
+          </p:cNvSpPr>
+          <p:nvPr>
+            <p:ph idx="1" hasCustomPrompt="1"/>
+          </p:nvPr>
+        </p:nvSpPr>
+        <p:spPr>
+          <a:xfrm>
+            <a:off x="457200" y="1477817"/>
+            <a:ext cx="8229600" cy="5243657"/>
+          </a:xfrm>
+        </p:spPr>
+        <p:txBody>
+          <a:bodyPr/>
+          <a:lstStyle/>
+          <a:p>
+            <a:r>
+              <a:rPr lang="en-GB" dirty="0"/>
+              <a:t>Any final questions?</a:t>
+            </a:r>
+          </a:p>
+        </p:txBody>
+      </p:sp>
+      <p:sp>
+        <p:nvSpPr>
+          <p:cNvPr id="2" name="Slide Number Placeholder 1">
+            <a:extLst>
+              <a:ext uri="{FF2B5EF4-FFF2-40B4-BE49-F238E27FC236}">
+                <a16:creationId xmlns:a16="http://schemas.microsoft.com/office/drawing/2014/main" id="{AA4775A6-2F80-1043-C846-EC9A679B4E8F}"/>
+              </a:ext>
+            </a:extLst>
+          </p:cNvPr>
+          <p:cNvSpPr>
+            <a:spLocks noGrp="1"/>
+          </p:cNvSpPr>
+          <p:nvPr>
+            <p:ph type="sldNum" sz="quarter" idx="4"/>
+          </p:nvPr>
+        </p:nvSpPr>
+        <p:spPr/>
+        <p:txBody>
+          <a:bodyPr/>
+          <a:lstStyle/>
+          <a:p>
+            <a:fld id="{D7E6475D-BDED-4D62-A64C-203EC56ADB6A}" type="slidenum">
+              <a:rPr lang="en-GB" smtClean="0"/>
+              <a:t>7</a:t>
+            </a:fld>
+            <a:endParaRPr lang="en-GB"/>
+          </a:p>
+        </p:txBody>
+      </p:sp>
+    </p:spTree>
+    <p:extLst>
+      <p:ext uri="{BB962C8B-B14F-4D97-AF65-F5344CB8AC3E}">
+        <p14:creationId xmlns:p14="http://schemas.microsoft.com/office/powerpoint/2010/main" val="2636120164"/>
+      </p:ext>
+    </p:extLst>
+  </p:cSld>
+  <p:clrMapOvr>
+    <a:masterClrMapping/>
+  </p:clrMapOvr>
+</p:sld>
+</file>
+
+<file path=ppt/slides/slide9.xml><?xml version="1.0" encoding="utf-8"?>
+<p:sld xmlns:a="http://schemas.openxmlformats.org/drawingml/2006/main" xmlns:r="http://schemas.openxmlformats.org/officeDocument/2006/relationships" xmlns:p="http://schemas.openxmlformats.org/presentationml/2006/main">
+  <p:cSld>
+    <p:spTree>
+      <p:nvGrpSpPr>
+        <p:cNvPr id="1" name=""/>
+        <p:cNvGrpSpPr/>
+        <p:nvPr/>
+      </p:nvGrpSpPr>
+      <p:grpSpPr>
+        <a:xfrm>
+          <a:off x="0" y="0"/>
+          <a:ext cx="0" cy="0"/>
+          <a:chOff x="0" y="0"/>
+          <a:chExt cx="0" cy="0"/>
+        </a:xfrm>
+      </p:grpSpPr>
+      <p:sp>
+        <p:nvSpPr>
           <p:cNvPr id="4" name="Slide Number Placeholder 3">
             <a:extLst>
               <a:ext uri="{FF2B5EF4-FFF2-40B4-BE49-F238E27FC236}">
@@ -3926,7 +4424,7 @@
           <a:p>
             <a:fld id="{D7E6475D-BDED-4D62-A64C-203EC56ADB6A}" type="slidenum">
               <a:rPr lang="en-GB" smtClean="0"/>
-              <a:t>6</a:t>
+              <a:t>8</a:t>
             </a:fld>
             <a:endParaRPr lang="en-GB"/>
           </a:p>

--- a/slides/Lecture_11_WrappingUp.pptx
+++ b/slides/Lecture_11_WrappingUp.pptx
@@ -10,7 +10,7 @@
   <p:sldIdLst>
     <p:sldId id="256" r:id="rId2"/>
     <p:sldId id="275" r:id="rId3"/>
-    <p:sldId id="269" r:id="rId4"/>
+    <p:sldId id="277" r:id="rId4"/>
     <p:sldId id="274" r:id="rId5"/>
     <p:sldId id="273" r:id="rId6"/>
     <p:sldId id="271" r:id="rId7"/>
@@ -478,7 +478,13 @@
   <p:cSld>
     <p:spTree>
       <p:nvGrpSpPr>
-        <p:cNvPr id="1" name=""/>
+        <p:cNvPr id="1" name="">
+          <a:extLst>
+            <a:ext uri="{FF2B5EF4-FFF2-40B4-BE49-F238E27FC236}">
+              <a16:creationId xmlns:a16="http://schemas.microsoft.com/office/drawing/2014/main" id="{D2DB800B-A0A9-8CF2-51FD-3B03F4A76FC8}"/>
+            </a:ext>
+          </a:extLst>
+        </p:cNvPr>
         <p:cNvGrpSpPr/>
         <p:nvPr/>
       </p:nvGrpSpPr>
@@ -492,7 +498,13 @@
       </p:grpSpPr>
       <p:sp>
         <p:nvSpPr>
-          <p:cNvPr id="2" name="Slide Image Placeholder 1"/>
+          <p:cNvPr id="2" name="Slide Image Placeholder 1">
+            <a:extLst>
+              <a:ext uri="{FF2B5EF4-FFF2-40B4-BE49-F238E27FC236}">
+                <a16:creationId xmlns:a16="http://schemas.microsoft.com/office/drawing/2014/main" id="{CEF1B98B-44CF-4F07-DC6E-4307FEE6F960}"/>
+              </a:ext>
+            </a:extLst>
+          </p:cNvPr>
           <p:cNvSpPr>
             <a:spLocks noGrp="1" noRot="1" noChangeAspect="1"/>
           </p:cNvSpPr>
@@ -504,7 +516,13 @@
       </p:sp>
       <p:sp>
         <p:nvSpPr>
-          <p:cNvPr id="3" name="Notes Placeholder 2"/>
+          <p:cNvPr id="3" name="Notes Placeholder 2">
+            <a:extLst>
+              <a:ext uri="{FF2B5EF4-FFF2-40B4-BE49-F238E27FC236}">
+                <a16:creationId xmlns:a16="http://schemas.microsoft.com/office/drawing/2014/main" id="{BAD9FF9F-E954-EB6D-D745-B3C239FBAEF4}"/>
+              </a:ext>
+            </a:extLst>
+          </p:cNvPr>
           <p:cNvSpPr>
             <a:spLocks noGrp="1"/>
           </p:cNvSpPr>
@@ -553,7 +571,13 @@
       </p:sp>
       <p:sp>
         <p:nvSpPr>
-          <p:cNvPr id="4" name="Slide Number Placeholder 3"/>
+          <p:cNvPr id="4" name="Slide Number Placeholder 3">
+            <a:extLst>
+              <a:ext uri="{FF2B5EF4-FFF2-40B4-BE49-F238E27FC236}">
+                <a16:creationId xmlns:a16="http://schemas.microsoft.com/office/drawing/2014/main" id="{D097A223-2A53-34A8-F614-DD2797BF8729}"/>
+              </a:ext>
+            </a:extLst>
+          </p:cNvPr>
           <p:cNvSpPr>
             <a:spLocks noGrp="1"/>
           </p:cNvSpPr>
@@ -577,7 +601,7 @@
     </p:spTree>
     <p:extLst>
       <p:ext uri="{BB962C8B-B14F-4D97-AF65-F5344CB8AC3E}">
-        <p14:creationId xmlns:p14="http://schemas.microsoft.com/office/powerpoint/2010/main" val="369042797"/>
+        <p14:creationId xmlns:p14="http://schemas.microsoft.com/office/powerpoint/2010/main" val="2731731186"/>
       </p:ext>
     </p:extLst>
   </p:cSld>
@@ -3171,7 +3195,13 @@
   <p:cSld>
     <p:spTree>
       <p:nvGrpSpPr>
-        <p:cNvPr id="1" name=""/>
+        <p:cNvPr id="1" name="">
+          <a:extLst>
+            <a:ext uri="{FF2B5EF4-FFF2-40B4-BE49-F238E27FC236}">
+              <a16:creationId xmlns:a16="http://schemas.microsoft.com/office/drawing/2014/main" id="{7BC59EF1-1EC7-119D-4D0F-3E476D0AD654}"/>
+            </a:ext>
+          </a:extLst>
+        </p:cNvPr>
         <p:cNvGrpSpPr/>
         <p:nvPr/>
       </p:nvGrpSpPr>
@@ -3188,7 +3218,7 @@
           <p:cNvPr id="3" name="Title 2">
             <a:extLst>
               <a:ext uri="{FF2B5EF4-FFF2-40B4-BE49-F238E27FC236}">
-                <a16:creationId xmlns:a16="http://schemas.microsoft.com/office/drawing/2014/main" id="{390DD774-E43E-4D5C-B770-A342FB917FE2}"/>
+                <a16:creationId xmlns:a16="http://schemas.microsoft.com/office/drawing/2014/main" id="{EE4EA71F-2363-EA5C-1BB1-7008B433F724}"/>
               </a:ext>
             </a:extLst>
           </p:cNvPr>
@@ -3206,7 +3236,7 @@
           <a:p>
             <a:r>
               <a:rPr lang="en-GB" dirty="0"/>
-              <a:t>Feedback</a:t>
+              <a:t>Next steps</a:t>
             </a:r>
           </a:p>
         </p:txBody>
@@ -3216,7 +3246,7 @@
           <p:cNvPr id="2" name="Slide Number Placeholder 1">
             <a:extLst>
               <a:ext uri="{FF2B5EF4-FFF2-40B4-BE49-F238E27FC236}">
-                <a16:creationId xmlns:a16="http://schemas.microsoft.com/office/drawing/2014/main" id="{4963AE20-5DB3-4FD4-B098-05DFFA40D548}"/>
+                <a16:creationId xmlns:a16="http://schemas.microsoft.com/office/drawing/2014/main" id="{A04178E3-0B11-1B5B-2D43-2472F6FA7ACB}"/>
               </a:ext>
             </a:extLst>
           </p:cNvPr>
@@ -3245,7 +3275,7 @@
           <p:cNvPr id="5" name="Content Placeholder 2">
             <a:extLst>
               <a:ext uri="{FF2B5EF4-FFF2-40B4-BE49-F238E27FC236}">
-                <a16:creationId xmlns:a16="http://schemas.microsoft.com/office/drawing/2014/main" id="{D9E3B2D2-238B-3E49-B309-5F7A8D8652A5}"/>
+                <a16:creationId xmlns:a16="http://schemas.microsoft.com/office/drawing/2014/main" id="{EAA9D2B9-4B8F-D674-FE25-9777EC5C6A64}"/>
               </a:ext>
             </a:extLst>
           </p:cNvPr>
@@ -3269,7 +3299,7 @@
             <a:pPr indent="-214370"/>
             <a:r>
               <a:rPr lang="en-GB" dirty="0"/>
-              <a:t>Your feedback is important to us!</a:t>
+              <a:t>A certificate of attendance will be issued automatically by LSHTM’s short courses team (look out for an e-mail next week).</a:t>
             </a:r>
           </a:p>
           <a:p>
@@ -3281,6 +3311,17 @@
             <a:r>
               <a:rPr lang="en-GB" dirty="0"/>
               <a:t>Please complete the feedback form on Moodle after the course — tell us what we did well and what we could improve.</a:t>
+            </a:r>
+          </a:p>
+          <a:p>
+            <a:pPr indent="-214370"/>
+            <a:endParaRPr lang="en-GB" dirty="0"/>
+          </a:p>
+          <a:p>
+            <a:pPr indent="-214370"/>
+            <a:r>
+              <a:rPr lang="en-GB" dirty="0"/>
+              <a:t>Feel free to contact us if you have any questions on the course material or about your modelling work!</a:t>
             </a:r>
           </a:p>
           <a:p>
@@ -3292,7 +3333,7 @@
     </p:spTree>
     <p:extLst>
       <p:ext uri="{BB962C8B-B14F-4D97-AF65-F5344CB8AC3E}">
-        <p14:creationId xmlns:p14="http://schemas.microsoft.com/office/powerpoint/2010/main" val="492800716"/>
+        <p14:creationId xmlns:p14="http://schemas.microsoft.com/office/powerpoint/2010/main" val="691474529"/>
       </p:ext>
     </p:extLst>
   </p:cSld>
@@ -3344,7 +3385,7 @@
           <a:p>
             <a:r>
               <a:rPr lang="en-US" dirty="0"/>
-              <a:t>Further resources</a:t>
+              <a:t>Recommended textbooks</a:t>
             </a:r>
           </a:p>
         </p:txBody>
@@ -3685,7 +3726,7 @@
           <a:p>
             <a:r>
               <a:rPr lang="en-US" dirty="0"/>
-              <a:t>Which models will we see in the course?</a:t>
+              <a:t>Which models did we see in the course?</a:t>
             </a:r>
           </a:p>
         </p:txBody>
